--- a/docs/diagrams/ModelComponentClassDiagram.pptx
+++ b/docs/diagrams/ModelComponentClassDiagram.pptx
@@ -208,7 +208,7 @@
           <a:p>
             <a:fld id="{F5CC4B3F-88C1-4FFA-B1B6-F41C21DC6924}" type="datetimeFigureOut">
               <a:rPr lang="en-US" smtClean="0"/>
-              <a:t>4/14/19</a:t>
+              <a:t>4/15/19</a:t>
             </a:fld>
             <a:endParaRPr lang="en-US"/>
           </a:p>
@@ -654,7 +654,7 @@
           <a:p>
             <a:fld id="{78C97017-6FC3-485B-9764-EAC9E56C1D49}" type="datetimeFigureOut">
               <a:rPr lang="en-US" smtClean="0"/>
-              <a:t>4/14/19</a:t>
+              <a:t>4/15/19</a:t>
             </a:fld>
             <a:endParaRPr lang="en-US"/>
           </a:p>
@@ -822,7 +822,7 @@
           <a:p>
             <a:fld id="{78C97017-6FC3-485B-9764-EAC9E56C1D49}" type="datetimeFigureOut">
               <a:rPr lang="en-US" smtClean="0"/>
-              <a:t>4/14/19</a:t>
+              <a:t>4/15/19</a:t>
             </a:fld>
             <a:endParaRPr lang="en-US"/>
           </a:p>
@@ -1000,7 +1000,7 @@
           <a:p>
             <a:fld id="{78C97017-6FC3-485B-9764-EAC9E56C1D49}" type="datetimeFigureOut">
               <a:rPr lang="en-US" smtClean="0"/>
-              <a:t>4/14/19</a:t>
+              <a:t>4/15/19</a:t>
             </a:fld>
             <a:endParaRPr lang="en-US"/>
           </a:p>
@@ -1168,7 +1168,7 @@
           <a:p>
             <a:fld id="{78C97017-6FC3-485B-9764-EAC9E56C1D49}" type="datetimeFigureOut">
               <a:rPr lang="en-US" smtClean="0"/>
-              <a:t>4/14/19</a:t>
+              <a:t>4/15/19</a:t>
             </a:fld>
             <a:endParaRPr lang="en-US"/>
           </a:p>
@@ -1413,7 +1413,7 @@
           <a:p>
             <a:fld id="{78C97017-6FC3-485B-9764-EAC9E56C1D49}" type="datetimeFigureOut">
               <a:rPr lang="en-US" smtClean="0"/>
-              <a:t>4/14/19</a:t>
+              <a:t>4/15/19</a:t>
             </a:fld>
             <a:endParaRPr lang="en-US"/>
           </a:p>
@@ -1698,7 +1698,7 @@
           <a:p>
             <a:fld id="{78C97017-6FC3-485B-9764-EAC9E56C1D49}" type="datetimeFigureOut">
               <a:rPr lang="en-US" smtClean="0"/>
-              <a:t>4/14/19</a:t>
+              <a:t>4/15/19</a:t>
             </a:fld>
             <a:endParaRPr lang="en-US"/>
           </a:p>
@@ -2117,7 +2117,7 @@
           <a:p>
             <a:fld id="{78C97017-6FC3-485B-9764-EAC9E56C1D49}" type="datetimeFigureOut">
               <a:rPr lang="en-US" smtClean="0"/>
-              <a:t>4/14/19</a:t>
+              <a:t>4/15/19</a:t>
             </a:fld>
             <a:endParaRPr lang="en-US"/>
           </a:p>
@@ -2234,7 +2234,7 @@
           <a:p>
             <a:fld id="{78C97017-6FC3-485B-9764-EAC9E56C1D49}" type="datetimeFigureOut">
               <a:rPr lang="en-US" smtClean="0"/>
-              <a:t>4/14/19</a:t>
+              <a:t>4/15/19</a:t>
             </a:fld>
             <a:endParaRPr lang="en-US"/>
           </a:p>
@@ -2329,7 +2329,7 @@
           <a:p>
             <a:fld id="{78C97017-6FC3-485B-9764-EAC9E56C1D49}" type="datetimeFigureOut">
               <a:rPr lang="en-US" smtClean="0"/>
-              <a:t>4/14/19</a:t>
+              <a:t>4/15/19</a:t>
             </a:fld>
             <a:endParaRPr lang="en-US"/>
           </a:p>
@@ -2604,7 +2604,7 @@
           <a:p>
             <a:fld id="{78C97017-6FC3-485B-9764-EAC9E56C1D49}" type="datetimeFigureOut">
               <a:rPr lang="en-US" smtClean="0"/>
-              <a:t>4/14/19</a:t>
+              <a:t>4/15/19</a:t>
             </a:fld>
             <a:endParaRPr lang="en-US"/>
           </a:p>
@@ -2856,7 +2856,7 @@
           <a:p>
             <a:fld id="{78C97017-6FC3-485B-9764-EAC9E56C1D49}" type="datetimeFigureOut">
               <a:rPr lang="en-US" smtClean="0"/>
-              <a:t>4/14/19</a:t>
+              <a:t>4/15/19</a:t>
             </a:fld>
             <a:endParaRPr lang="en-US"/>
           </a:p>
@@ -3067,7 +3067,7 @@
           <a:p>
             <a:fld id="{78C97017-6FC3-485B-9764-EAC9E56C1D49}" type="datetimeFigureOut">
               <a:rPr lang="en-US" smtClean="0"/>
-              <a:t>4/14/19</a:t>
+              <a:t>4/15/19</a:t>
             </a:fld>
             <a:endParaRPr lang="en-US"/>
           </a:p>
@@ -3451,7 +3451,7 @@
         <p:spPr>
           <a:xfrm>
             <a:off x="990600" y="1610899"/>
-            <a:ext cx="7620000" cy="3124200"/>
+            <a:ext cx="7696200" cy="3124200"/>
           </a:xfrm>
           <a:prstGeom prst="roundRect">
             <a:avLst>
@@ -4306,7 +4306,7 @@
         <p:spPr>
           <a:xfrm>
             <a:off x="7712397" y="2564238"/>
-            <a:ext cx="756000" cy="285783"/>
+            <a:ext cx="865278" cy="285783"/>
           </a:xfrm>
           <a:prstGeom prst="rect">
             <a:avLst/>
@@ -4451,7 +4451,7 @@
         <p:spPr>
           <a:xfrm>
             <a:off x="7712397" y="2887216"/>
-            <a:ext cx="756000" cy="285783"/>
+            <a:ext cx="865278" cy="285783"/>
           </a:xfrm>
           <a:prstGeom prst="rect">
             <a:avLst/>
@@ -4502,6 +4502,7 @@
         <p:nvCxnSpPr>
           <p:cNvPr id="81" name="Elbow Connector 80"/>
           <p:cNvCxnSpPr>
+            <a:cxnSpLocks/>
             <a:stCxn id="78" idx="3"/>
             <a:endCxn id="80" idx="1"/>
           </p:cNvCxnSpPr>
@@ -4547,8 +4548,8 @@
         </p:nvSpPr>
         <p:spPr>
           <a:xfrm>
-            <a:off x="7712397" y="3210194"/>
-            <a:ext cx="756000" cy="285783"/>
+            <a:off x="7712396" y="3210194"/>
+            <a:ext cx="865279" cy="285783"/>
           </a:xfrm>
           <a:prstGeom prst="rect">
             <a:avLst/>
@@ -4599,6 +4600,7 @@
         <p:nvCxnSpPr>
           <p:cNvPr id="84" name="Elbow Connector 83"/>
           <p:cNvCxnSpPr>
+            <a:cxnSpLocks/>
             <a:stCxn id="78" idx="3"/>
             <a:endCxn id="83" idx="1"/>
           </p:cNvCxnSpPr>
@@ -4607,7 +4609,7 @@
         <p:spPr>
           <a:xfrm>
             <a:off x="7367671" y="3035698"/>
-            <a:ext cx="344726" cy="317388"/>
+            <a:ext cx="344725" cy="317388"/>
           </a:xfrm>
           <a:prstGeom prst="bentConnector3">
             <a:avLst/>
@@ -4644,8 +4646,8 @@
         </p:nvSpPr>
         <p:spPr>
           <a:xfrm>
-            <a:off x="7712397" y="3533171"/>
-            <a:ext cx="756000" cy="285783"/>
+            <a:off x="7712397" y="3843875"/>
+            <a:ext cx="865280" cy="285783"/>
           </a:xfrm>
           <a:prstGeom prst="rect">
             <a:avLst/>
@@ -4696,6 +4698,7 @@
         <p:nvCxnSpPr>
           <p:cNvPr id="86" name="Elbow Connector 85"/>
           <p:cNvCxnSpPr>
+            <a:cxnSpLocks/>
             <a:stCxn id="78" idx="3"/>
             <a:endCxn id="85" idx="1"/>
           </p:cNvCxnSpPr>
@@ -4704,7 +4707,7 @@
         <p:spPr>
           <a:xfrm>
             <a:off x="7367671" y="3035698"/>
-            <a:ext cx="344726" cy="640365"/>
+            <a:ext cx="344726" cy="951069"/>
           </a:xfrm>
           <a:prstGeom prst="bentConnector3">
             <a:avLst/>
@@ -5264,7 +5267,7 @@
         <p:spPr>
           <a:xfrm>
             <a:off x="7712397" y="2228817"/>
-            <a:ext cx="756000" cy="285783"/>
+            <a:ext cx="865278" cy="285783"/>
           </a:xfrm>
           <a:prstGeom prst="rect">
             <a:avLst/>
@@ -5819,6 +5822,115 @@
           </a:effectRef>
           <a:fontRef idx="minor">
             <a:schemeClr val="tx1"/>
+          </a:fontRef>
+        </p:style>
+      </p:cxnSp>
+      <p:sp>
+        <p:nvSpPr>
+          <p:cNvPr id="56" name="Rectangle 8">
+            <a:extLst>
+              <a:ext uri="{FF2B5EF4-FFF2-40B4-BE49-F238E27FC236}">
+                <a16:creationId xmlns:a16="http://schemas.microsoft.com/office/drawing/2014/main" id="{7556BB50-487B-1943-BB99-777F2B7B1CAD}"/>
+              </a:ext>
+            </a:extLst>
+          </p:cNvPr>
+          <p:cNvSpPr/>
+          <p:nvPr/>
+        </p:nvSpPr>
+        <p:spPr>
+          <a:xfrm>
+            <a:off x="7712397" y="3524217"/>
+            <a:ext cx="865280" cy="285783"/>
+          </a:xfrm>
+          <a:prstGeom prst="rect">
+            <a:avLst/>
+          </a:prstGeom>
+          <a:ln w="19050">
+            <a:solidFill>
+              <a:srgbClr val="7030A0"/>
+            </a:solidFill>
+          </a:ln>
+          <a:effectLst/>
+        </p:spPr>
+        <p:style>
+          <a:lnRef idx="1">
+            <a:schemeClr val="accent4"/>
+          </a:lnRef>
+          <a:fillRef idx="2">
+            <a:schemeClr val="accent4"/>
+          </a:fillRef>
+          <a:effectRef idx="1">
+            <a:schemeClr val="accent4"/>
+          </a:effectRef>
+          <a:fontRef idx="minor">
+            <a:schemeClr val="dk1"/>
+          </a:fontRef>
+        </p:style>
+        <p:txBody>
+          <a:bodyPr rtlCol="0" anchor="ctr"/>
+          <a:lstStyle/>
+          <a:p>
+            <a:pPr algn="ctr"/>
+            <a:r>
+              <a:rPr lang="en-US" sz="1050" dirty="0">
+                <a:solidFill>
+                  <a:srgbClr val="7030A0"/>
+                </a:solidFill>
+              </a:rPr>
+              <a:t>Proficiency</a:t>
+            </a:r>
+            <a:endParaRPr lang="en-SG" sz="1050" dirty="0">
+              <a:solidFill>
+                <a:srgbClr val="7030A0"/>
+              </a:solidFill>
+            </a:endParaRPr>
+          </a:p>
+        </p:txBody>
+      </p:sp>
+      <p:cxnSp>
+        <p:nvCxnSpPr>
+          <p:cNvPr id="64" name="Elbow Connector 63">
+            <a:extLst>
+              <a:ext uri="{FF2B5EF4-FFF2-40B4-BE49-F238E27FC236}">
+                <a16:creationId xmlns:a16="http://schemas.microsoft.com/office/drawing/2014/main" id="{7BE95465-6B73-C84C-AE22-FB8388110069}"/>
+              </a:ext>
+            </a:extLst>
+          </p:cNvPr>
+          <p:cNvCxnSpPr>
+            <a:cxnSpLocks/>
+            <a:endCxn id="56" idx="1"/>
+          </p:cNvCxnSpPr>
+          <p:nvPr/>
+        </p:nvCxnSpPr>
+        <p:spPr>
+          <a:xfrm rot="16200000" flipH="1">
+            <a:off x="7320352" y="3275064"/>
+            <a:ext cx="611728" cy="172362"/>
+          </a:xfrm>
+          <a:prstGeom prst="bentConnector2">
+            <a:avLst/>
+          </a:prstGeom>
+          <a:ln w="19050">
+            <a:solidFill>
+              <a:srgbClr val="7030A0"/>
+            </a:solidFill>
+            <a:headEnd type="none" w="med" len="med"/>
+            <a:tailEnd type="arrow" w="med" len="med"/>
+          </a:ln>
+          <a:effectLst/>
+        </p:spPr>
+        <p:style>
+          <a:lnRef idx="1">
+            <a:schemeClr val="accent2"/>
+          </a:lnRef>
+          <a:fillRef idx="2">
+            <a:schemeClr val="accent2"/>
+          </a:fillRef>
+          <a:effectRef idx="1">
+            <a:schemeClr val="accent2"/>
+          </a:effectRef>
+          <a:fontRef idx="minor">
+            <a:schemeClr val="dk1"/>
           </a:fontRef>
         </p:style>
       </p:cxnSp>
